--- a/presentation/de/SonicPI_jingle_de.pptx
+++ b/presentation/de/SonicPI_jingle_de.pptx
@@ -223,7 +223,7 @@
             <a:fld id="{7FD773D1-FC60-4896-8BCC-9B28FBDAB5FD}" type="datetimeFigureOut">
               <a:rPr lang="de-DE" smtClean="0"/>
               <a:pPr/>
-              <a:t>16.10.2016</a:t>
+              <a:t>19.10.2016</a:t>
             </a:fld>
             <a:endParaRPr lang="de-DE"/>
           </a:p>
@@ -390,7 +390,7 @@
             <a:fld id="{72145D81-8E55-40FC-9585-CFDCFEF92FEB}" type="datetimeFigureOut">
               <a:rPr lang="de-DE" smtClean="0"/>
               <a:pPr/>
-              <a:t>16.10.2016</a:t>
+              <a:t>19.10.2016</a:t>
             </a:fld>
             <a:endParaRPr lang="de-DE"/>
           </a:p>
@@ -3170,7 +3170,7 @@
             <a:fld id="{421FAFA7-FD27-4797-86F0-797A053F7FF1}" type="datetimeFigureOut">
               <a:rPr lang="de-DE" smtClean="0"/>
               <a:pPr/>
-              <a:t>16.10.2016</a:t>
+              <a:t>19.10.2016</a:t>
             </a:fld>
             <a:endParaRPr lang="de-DE"/>
           </a:p>
@@ -4688,13 +4688,26 @@
           </a:p>
           <a:p>
             <a:r>
-              <a:rPr lang="de-DE" dirty="0" err="1"/>
-              <a:t>use_sample_pack</a:t>
-            </a:r>
-            <a:r>
-              <a:rPr lang="de-DE" dirty="0"/>
-              <a:t> "C:/devoxx4kids" (o.ä.)</a:t>
-            </a:r>
+              <a:rPr lang="de-DE" dirty="0" smtClean="0"/>
+              <a:t>d4k = "/devoxx4kids/</a:t>
+            </a:r>
+            <a:r>
+              <a:rPr lang="de-DE" dirty="0" err="1" smtClean="0"/>
+              <a:t>samples</a:t>
+            </a:r>
+            <a:r>
+              <a:rPr lang="de-DE" dirty="0" smtClean="0"/>
+              <a:t>/</a:t>
+            </a:r>
+            <a:r>
+              <a:rPr lang="de-DE" dirty="0" err="1" smtClean="0"/>
+              <a:t>jingle</a:t>
+            </a:r>
+            <a:r>
+              <a:rPr lang="de-DE" dirty="0" smtClean="0"/>
+              <a:t>" o.ä.</a:t>
+            </a:r>
+            <a:endParaRPr lang="de-DE" dirty="0"/>
           </a:p>
         </p:txBody>
       </p:sp>
@@ -5140,7 +5153,7 @@
         </p:nvSpPr>
         <p:spPr>
           <a:xfrm>
-            <a:off x="986992" y="5470886"/>
+            <a:off x="1383036" y="5480306"/>
             <a:ext cx="3851696" cy="2234458"/>
           </a:xfrm>
         </p:spPr>
@@ -5158,12 +5171,20 @@
             <a:pPr algn="l"/>
             <a:r>
               <a:rPr lang="de-DE" sz="2400" dirty="0"/>
-              <a:t>  sample :</a:t>
+              <a:t>  sample </a:t>
+            </a:r>
+            <a:r>
+              <a:rPr lang="de-DE" sz="2400" dirty="0"/>
+              <a:t>d4k, "</a:t>
             </a:r>
             <a:r>
               <a:rPr lang="de-DE" sz="2400" dirty="0" err="1"/>
               <a:t>drum_loop</a:t>
             </a:r>
+            <a:r>
+              <a:rPr lang="de-DE" sz="2400" dirty="0"/>
+              <a:t>"</a:t>
+            </a:r>
             <a:endParaRPr lang="de-DE" sz="2400" dirty="0"/>
           </a:p>
           <a:p>
@@ -5192,11 +5213,19 @@
             <a:pPr algn="l"/>
             <a:r>
               <a:rPr lang="de-DE" sz="2400" dirty="0"/>
-              <a:t>sample :</a:t>
+              <a:t>sample </a:t>
+            </a:r>
+            <a:r>
+              <a:rPr lang="de-DE" sz="2400" dirty="0"/>
+              <a:t>d4k, "</a:t>
             </a:r>
             <a:r>
               <a:rPr lang="de-DE" sz="2400" dirty="0" err="1"/>
               <a:t>drum_break</a:t>
+            </a:r>
+            <a:r>
+              <a:rPr lang="de-DE" sz="2400" dirty="0"/>
+              <a:t>"</a:t>
             </a:r>
             <a:endParaRPr lang="de-DE" sz="2400" dirty="0"/>
           </a:p>
@@ -5479,7 +5508,7 @@
         </p:nvSpPr>
         <p:spPr>
           <a:xfrm>
-            <a:off x="748533" y="5640605"/>
+            <a:off x="1118023" y="5632282"/>
             <a:ext cx="3472555" cy="1791260"/>
           </a:xfrm>
         </p:spPr>
@@ -5497,11 +5526,19 @@
             <a:pPr algn="l"/>
             <a:r>
               <a:rPr lang="de-DE" sz="2400" dirty="0"/>
-              <a:t>  sample :</a:t>
+              <a:t>  sample </a:t>
+            </a:r>
+            <a:r>
+              <a:rPr lang="de-DE" sz="2400" dirty="0"/>
+              <a:t>d4k, "</a:t>
             </a:r>
             <a:r>
               <a:rPr lang="de-DE" sz="2400" dirty="0" err="1"/>
               <a:t>acoustic</a:t>
+            </a:r>
+            <a:r>
+              <a:rPr lang="de-DE" sz="2400" dirty="0"/>
+              <a:t>"</a:t>
             </a:r>
             <a:endParaRPr lang="de-DE" sz="2400" dirty="0"/>
           </a:p>
@@ -5778,26 +5815,51 @@
               <a:t>	</a:t>
             </a:r>
             <a:r>
-              <a:rPr lang="de-DE" dirty="0" err="1"/>
-              <a:t>reverb</a:t>
+              <a:rPr lang="de-DE" dirty="0" smtClean="0"/>
+              <a:t>zusätzlich „</a:t>
+            </a:r>
+            <a:r>
+              <a:rPr lang="de-DE" dirty="0" err="1" smtClean="0"/>
+              <a:t>krush</a:t>
+            </a:r>
+            <a:r>
+              <a:rPr lang="de-DE" dirty="0" smtClean="0"/>
+              <a:t>“ </a:t>
+            </a:r>
+            <a:r>
+              <a:rPr lang="de-DE" dirty="0" err="1" smtClean="0"/>
+              <a:t>effekt</a:t>
+            </a:r>
+            <a:r>
+              <a:rPr lang="de-DE" dirty="0" smtClean="0"/>
+              <a:t> mit „</a:t>
+            </a:r>
+            <a:r>
+              <a:rPr lang="de-DE" dirty="0" err="1" smtClean="0"/>
+              <a:t>gain</a:t>
+            </a:r>
+            <a:r>
+              <a:rPr lang="de-DE" dirty="0" smtClean="0"/>
+              <a:t>“-Parameter</a:t>
+            </a:r>
+            <a:endParaRPr lang="de-DE" dirty="0"/>
+          </a:p>
+          <a:p>
+            <a:r>
+              <a:rPr lang="de-DE" dirty="0" smtClean="0"/>
+              <a:t>0.2 - 1 </a:t>
             </a:r>
             <a:r>
               <a:rPr lang="de-DE" dirty="0"/>
               <a:t>	</a:t>
             </a:r>
             <a:r>
-              <a:rPr lang="de-DE" dirty="0" err="1"/>
-              <a:t>amp</a:t>
-            </a:r>
-            <a:r>
-              <a:rPr lang="de-DE" dirty="0"/>
-              <a:t>	</a:t>
-            </a:r>
-          </a:p>
-          <a:p>
-            <a:r>
-              <a:rPr lang="de-DE" dirty="0"/>
-              <a:t>1 	0.2 	1	</a:t>
+              <a:rPr lang="de-DE" dirty="0" smtClean="0"/>
+              <a:t> </a:t>
+            </a:r>
+            <a:r>
+              <a:rPr lang="de-DE" dirty="0"/>
+              <a:t>		</a:t>
             </a:r>
           </a:p>
         </p:txBody>
@@ -5902,11 +5964,23 @@
             <a:pPr algn="l"/>
             <a:r>
               <a:rPr lang="de-DE" sz="2000" dirty="0"/>
-              <a:t>      sample :</a:t>
+              <a:t>      sample </a:t>
+            </a:r>
+            <a:r>
+              <a:rPr lang="de-DE" sz="2000" dirty="0" smtClean="0"/>
+              <a:t>d4k</a:t>
+            </a:r>
+            <a:r>
+              <a:rPr lang="de-DE" sz="2000" dirty="0"/>
+              <a:t>, "</a:t>
             </a:r>
             <a:r>
               <a:rPr lang="de-DE" sz="2000" dirty="0" err="1"/>
               <a:t>acoustic</a:t>
+            </a:r>
+            <a:r>
+              <a:rPr lang="de-DE" sz="2000" dirty="0"/>
+              <a:t>"</a:t>
             </a:r>
             <a:endParaRPr lang="de-DE" sz="2000" dirty="0"/>
           </a:p>
@@ -6058,11 +6132,19 @@
             <a:pPr algn="l"/>
             <a:r>
               <a:rPr lang="de-DE" sz="2000" dirty="0"/>
-              <a:t>      sample :</a:t>
+              <a:t>      sample </a:t>
+            </a:r>
+            <a:r>
+              <a:rPr lang="de-DE" sz="2000" dirty="0"/>
+              <a:t>d4k, "</a:t>
             </a:r>
             <a:r>
               <a:rPr lang="de-DE" sz="2000" dirty="0" err="1"/>
               <a:t>acoustic</a:t>
+            </a:r>
+            <a:r>
+              <a:rPr lang="de-DE" sz="2000" dirty="0"/>
+              <a:t>"</a:t>
             </a:r>
             <a:endParaRPr lang="de-DE" sz="2000" dirty="0"/>
           </a:p>
@@ -6248,7 +6330,7 @@
         <p:spPr>
           <a:xfrm>
             <a:off x="833408" y="5972012"/>
-            <a:ext cx="4731752" cy="1175706"/>
+            <a:ext cx="5475912" cy="1668149"/>
           </a:xfrm>
         </p:spPr>
         <p:txBody>
@@ -6267,14 +6349,26 @@
           <a:p>
             <a:r>
               <a:rPr lang="de-DE" sz="3200" dirty="0"/>
-              <a:t>sample :</a:t>
-            </a:r>
-            <a:r>
-              <a:rPr lang="de-DE" sz="3200" dirty="0" err="1"/>
+              <a:t>sample </a:t>
+            </a:r>
+            <a:r>
+              <a:rPr lang="de-DE" sz="3200" dirty="0" smtClean="0"/>
+              <a:t>d4k, </a:t>
+            </a:r>
+            <a:r>
+              <a:rPr lang="de-DE" sz="3200" dirty="0" smtClean="0"/>
+              <a:t>"</a:t>
+            </a:r>
+            <a:r>
+              <a:rPr lang="de-DE" sz="3200" dirty="0" err="1" smtClean="0"/>
               <a:t>vocoder</a:t>
             </a:r>
             <a:r>
-              <a:rPr lang="de-DE" sz="3200" dirty="0"/>
+              <a:rPr lang="de-DE" sz="3200" dirty="0" smtClean="0"/>
+              <a:t>“</a:t>
+            </a:r>
+            <a:r>
+              <a:rPr lang="de-DE" sz="3200" dirty="0" smtClean="0"/>
               <a:t>, </a:t>
             </a:r>
             <a:r>
@@ -6377,7 +6471,7 @@
         </p:nvSpPr>
         <p:spPr>
           <a:xfrm>
-            <a:off x="3318651" y="7375218"/>
+            <a:off x="4011932" y="7419800"/>
             <a:ext cx="740011" cy="369332"/>
           </a:xfrm>
           <a:prstGeom prst="rect">
@@ -6406,7 +6500,7 @@
         </p:nvCxnSpPr>
         <p:spPr>
           <a:xfrm flipV="1">
-            <a:off x="4077072" y="7154779"/>
+            <a:off x="4751943" y="7114367"/>
             <a:ext cx="432048" cy="361998"/>
           </a:xfrm>
           <a:prstGeom prst="straightConnector1">
@@ -6603,7 +6697,11 @@
           <a:p>
             <a:r>
               <a:rPr lang="de-DE" sz="3200" dirty="0"/>
-              <a:t>sample :</a:t>
+              <a:t>sample </a:t>
+            </a:r>
+            <a:r>
+              <a:rPr lang="de-DE" sz="3200" dirty="0"/>
+              <a:t>d4k, "</a:t>
             </a:r>
             <a:r>
               <a:rPr lang="de-DE" sz="3200" dirty="0" err="1"/>
@@ -6611,6 +6709,10 @@
             </a:r>
             <a:r>
               <a:rPr lang="de-DE" sz="3200" dirty="0"/>
+              <a:t>"</a:t>
+            </a:r>
+            <a:r>
+              <a:rPr lang="de-DE" sz="3200" dirty="0" smtClean="0"/>
               <a:t>, </a:t>
             </a:r>
             <a:r>

--- a/presentation/de/SonicPI_jingle_de.pptx
+++ b/presentation/de/SonicPI_jingle_de.pptx
@@ -4688,8 +4688,20 @@
           </a:p>
           <a:p>
             <a:r>
+              <a:rPr lang="de-DE" dirty="0"/>
+              <a:t>d4k = "/</a:t>
+            </a:r>
+            <a:r>
               <a:rPr lang="de-DE" dirty="0" smtClean="0"/>
-              <a:t>d4k = "/devoxx4kids/</a:t>
+              <a:t>devoxx4kids/</a:t>
+            </a:r>
+            <a:r>
+              <a:rPr lang="de-DE" dirty="0" err="1" smtClean="0"/>
+              <a:t>workshop-sonic-pi</a:t>
+            </a:r>
+            <a:r>
+              <a:rPr lang="de-DE" dirty="0" smtClean="0"/>
+              <a:t>/</a:t>
             </a:r>
             <a:r>
               <a:rPr lang="de-DE" dirty="0" err="1" smtClean="0"/>
@@ -4704,8 +4716,16 @@
               <a:t>jingle</a:t>
             </a:r>
             <a:r>
+              <a:rPr lang="de-DE" dirty="0"/>
+              <a:t>"</a:t>
+            </a:r>
+            <a:r>
               <a:rPr lang="de-DE" dirty="0" smtClean="0"/>
-              <a:t>" o.ä.</a:t>
+              <a:t> o.ä</a:t>
+            </a:r>
+            <a:r>
+              <a:rPr lang="de-DE" dirty="0" smtClean="0"/>
+              <a:t>.</a:t>
             </a:r>
             <a:endParaRPr lang="de-DE" dirty="0"/>
           </a:p>
@@ -5171,11 +5191,7 @@
             <a:pPr algn="l"/>
             <a:r>
               <a:rPr lang="de-DE" sz="2400" dirty="0"/>
-              <a:t>  sample </a:t>
-            </a:r>
-            <a:r>
-              <a:rPr lang="de-DE" sz="2400" dirty="0"/>
-              <a:t>d4k, "</a:t>
+              <a:t>  sample d4k, "</a:t>
             </a:r>
             <a:r>
               <a:rPr lang="de-DE" sz="2400" dirty="0" err="1"/>
@@ -5185,7 +5201,6 @@
               <a:rPr lang="de-DE" sz="2400" dirty="0"/>
               <a:t>"</a:t>
             </a:r>
-            <a:endParaRPr lang="de-DE" sz="2400" dirty="0"/>
           </a:p>
           <a:p>
             <a:pPr algn="l"/>
@@ -5213,11 +5228,7 @@
             <a:pPr algn="l"/>
             <a:r>
               <a:rPr lang="de-DE" sz="2400" dirty="0"/>
-              <a:t>sample </a:t>
-            </a:r>
-            <a:r>
-              <a:rPr lang="de-DE" sz="2400" dirty="0"/>
-              <a:t>d4k, "</a:t>
+              <a:t>sample d4k, "</a:t>
             </a:r>
             <a:r>
               <a:rPr lang="de-DE" sz="2400" dirty="0" err="1"/>
@@ -5227,7 +5238,6 @@
               <a:rPr lang="de-DE" sz="2400" dirty="0"/>
               <a:t>"</a:t>
             </a:r>
-            <a:endParaRPr lang="de-DE" sz="2400" dirty="0"/>
           </a:p>
         </p:txBody>
       </p:sp>
@@ -5526,11 +5536,7 @@
             <a:pPr algn="l"/>
             <a:r>
               <a:rPr lang="de-DE" sz="2400" dirty="0"/>
-              <a:t>  sample </a:t>
-            </a:r>
-            <a:r>
-              <a:rPr lang="de-DE" sz="2400" dirty="0"/>
-              <a:t>d4k, "</a:t>
+              <a:t>  sample d4k, "</a:t>
             </a:r>
             <a:r>
               <a:rPr lang="de-DE" sz="2400" dirty="0" err="1"/>
@@ -5540,7 +5546,6 @@
               <a:rPr lang="de-DE" sz="2400" dirty="0"/>
               <a:t>"</a:t>
             </a:r>
-            <a:endParaRPr lang="de-DE" sz="2400" dirty="0"/>
           </a:p>
           <a:p>
             <a:pPr algn="l"/>
@@ -5799,7 +5804,7 @@
         <p:spPr>
           <a:xfrm>
             <a:off x="404664" y="8316416"/>
-            <a:ext cx="6120680" cy="701731"/>
+            <a:ext cx="6120680" cy="646331"/>
           </a:xfrm>
         </p:spPr>
         <p:txBody>
@@ -5807,16 +5812,12 @@
           <a:lstStyle/>
           <a:p>
             <a:r>
-              <a:rPr lang="de-DE" dirty="0" err="1"/>
-              <a:t>reverb</a:t>
-            </a:r>
-            <a:r>
-              <a:rPr lang="de-DE" dirty="0"/>
-              <a:t>	</a:t>
-            </a:r>
-            <a:r>
               <a:rPr lang="de-DE" dirty="0" smtClean="0"/>
-              <a:t>zusätzlich „</a:t>
+              <a:t>weiteren </a:t>
+            </a:r>
+            <a:r>
+              <a:rPr lang="de-DE" dirty="0" smtClean="0"/>
+              <a:t>„</a:t>
             </a:r>
             <a:r>
               <a:rPr lang="de-DE" dirty="0" err="1" smtClean="0"/>
@@ -5840,26 +5841,15 @@
             </a:r>
             <a:r>
               <a:rPr lang="de-DE" dirty="0" smtClean="0"/>
-              <a:t>“-Parameter</a:t>
-            </a:r>
-            <a:endParaRPr lang="de-DE" dirty="0"/>
-          </a:p>
-          <a:p>
+              <a:t>“-</a:t>
+            </a:r>
             <a:r>
               <a:rPr lang="de-DE" dirty="0" smtClean="0"/>
-              <a:t>0.2 - 1 </a:t>
+              <a:t>Parameter 0.2 – 1 (Effekt innen einbauen)</a:t>
             </a:r>
             <a:r>
               <a:rPr lang="de-DE" dirty="0"/>
               <a:t>	</a:t>
-            </a:r>
-            <a:r>
-              <a:rPr lang="de-DE" dirty="0" smtClean="0"/>
-              <a:t> </a:t>
-            </a:r>
-            <a:r>
-              <a:rPr lang="de-DE" dirty="0"/>
-              <a:t>		</a:t>
             </a:r>
           </a:p>
         </p:txBody>
@@ -5982,7 +5972,6 @@
               <a:rPr lang="de-DE" sz="2000" dirty="0"/>
               <a:t>"</a:t>
             </a:r>
-            <a:endParaRPr lang="de-DE" sz="2000" dirty="0"/>
           </a:p>
           <a:p>
             <a:pPr algn="l"/>
@@ -6132,11 +6121,7 @@
             <a:pPr algn="l"/>
             <a:r>
               <a:rPr lang="de-DE" sz="2000" dirty="0"/>
-              <a:t>      sample </a:t>
-            </a:r>
-            <a:r>
-              <a:rPr lang="de-DE" sz="2000" dirty="0"/>
-              <a:t>d4k, "</a:t>
+              <a:t>      sample d4k, "</a:t>
             </a:r>
             <a:r>
               <a:rPr lang="de-DE" sz="2000" dirty="0" err="1"/>
@@ -6146,7 +6131,6 @@
               <a:rPr lang="de-DE" sz="2000" dirty="0"/>
               <a:t>"</a:t>
             </a:r>
-            <a:endParaRPr lang="de-DE" sz="2000" dirty="0"/>
           </a:p>
           <a:p>
             <a:pPr algn="l"/>
@@ -6295,7 +6279,7 @@
         <p:spPr>
           <a:xfrm>
             <a:off x="404664" y="576094"/>
-            <a:ext cx="6048672" cy="1581972"/>
+            <a:ext cx="6048672" cy="1951303"/>
           </a:xfrm>
         </p:spPr>
         <p:txBody>
@@ -6311,9 +6295,17 @@
           <a:p>
             <a:pPr algn="ctr"/>
             <a:r>
-              <a:rPr lang="de-DE" sz="4400" dirty="0"/>
+              <a:rPr lang="de-DE" sz="4400" dirty="0" smtClean="0"/>
               <a:t>Vocoder</a:t>
             </a:r>
+            <a:br>
+              <a:rPr lang="de-DE" sz="4400" dirty="0" smtClean="0"/>
+            </a:br>
+            <a:r>
+              <a:rPr lang="de-DE" sz="2400" dirty="0" smtClean="0"/>
+              <a:t>(synthetische Stimme, die „Devoxx4Kids“ singt)</a:t>
+            </a:r>
+            <a:endParaRPr lang="de-DE" sz="2400" dirty="0"/>
           </a:p>
         </p:txBody>
       </p:sp>
@@ -6353,11 +6345,7 @@
             </a:r>
             <a:r>
               <a:rPr lang="de-DE" sz="3200" dirty="0" smtClean="0"/>
-              <a:t>d4k, </a:t>
-            </a:r>
-            <a:r>
-              <a:rPr lang="de-DE" sz="3200" dirty="0" smtClean="0"/>
-              <a:t>"</a:t>
+              <a:t>d4k, "</a:t>
             </a:r>
             <a:r>
               <a:rPr lang="de-DE" sz="3200" dirty="0" err="1" smtClean="0"/>
@@ -6365,11 +6353,7 @@
             </a:r>
             <a:r>
               <a:rPr lang="de-DE" sz="3200" dirty="0" smtClean="0"/>
-              <a:t>“</a:t>
-            </a:r>
-            <a:r>
-              <a:rPr lang="de-DE" sz="3200" dirty="0" smtClean="0"/>
-              <a:t>, </a:t>
+              <a:t>“, </a:t>
             </a:r>
             <a:r>
               <a:rPr lang="de-DE" sz="3200" dirty="0" err="1"/>
@@ -6443,7 +6427,7 @@
         <p:spPr>
           <a:xfrm>
             <a:off x="2709078" y="5574372"/>
-            <a:ext cx="1456489" cy="369332"/>
+            <a:ext cx="4031488" cy="369332"/>
           </a:xfrm>
           <a:prstGeom prst="rect">
             <a:avLst/>
@@ -6458,8 +6442,21 @@
           <a:p>
             <a:r>
               <a:rPr lang="de-DE" dirty="0"/>
-              <a:t>3 Takte Pause</a:t>
-            </a:r>
+              <a:t>3 Takte </a:t>
+            </a:r>
+            <a:r>
+              <a:rPr lang="de-DE" dirty="0" smtClean="0"/>
+              <a:t>Pause (an </a:t>
+            </a:r>
+            <a:r>
+              <a:rPr lang="de-DE" dirty="0" err="1" smtClean="0"/>
+              <a:t>use_bpm</a:t>
+            </a:r>
+            <a:r>
+              <a:rPr lang="de-DE" dirty="0" smtClean="0"/>
+              <a:t> 120 denken!)</a:t>
+            </a:r>
+            <a:endParaRPr lang="de-DE" dirty="0"/>
           </a:p>
         </p:txBody>
       </p:sp>
@@ -6697,11 +6694,7 @@
           <a:p>
             <a:r>
               <a:rPr lang="de-DE" sz="3200" dirty="0"/>
-              <a:t>sample </a:t>
-            </a:r>
-            <a:r>
-              <a:rPr lang="de-DE" sz="3200" dirty="0"/>
-              <a:t>d4k, "</a:t>
+              <a:t>sample d4k, "</a:t>
             </a:r>
             <a:r>
               <a:rPr lang="de-DE" sz="3200" dirty="0" err="1"/>

--- a/presentation/de/SonicPI_jingle_de.pptx
+++ b/presentation/de/SonicPI_jingle_de.pptx
@@ -22,7 +22,7 @@
     <p:sldId id="276" r:id="rId10"/>
   </p:sldIdLst>
   <p:sldSz cx="6858000" cy="9144000" type="screen4x3"/>
-  <p:notesSz cx="6858000" cy="9144000"/>
+  <p:notesSz cx="6797675" cy="9926638"/>
   <p:defaultTextStyle>
     <a:defPPr>
       <a:defRPr lang="de-DE"/>
@@ -175,7 +175,7 @@
         <p:spPr>
           <a:xfrm>
             <a:off x="0" y="0"/>
-            <a:ext cx="2971800" cy="458788"/>
+            <a:ext cx="2945659" cy="498056"/>
           </a:xfrm>
           <a:prstGeom prst="rect">
             <a:avLst/>
@@ -205,8 +205,8 @@
         </p:nvSpPr>
         <p:spPr>
           <a:xfrm>
-            <a:off x="3884613" y="0"/>
-            <a:ext cx="2971800" cy="458788"/>
+            <a:off x="3850443" y="0"/>
+            <a:ext cx="2945659" cy="498056"/>
           </a:xfrm>
           <a:prstGeom prst="rect">
             <a:avLst/>
@@ -223,7 +223,7 @@
             <a:fld id="{7FD773D1-FC60-4896-8BCC-9B28FBDAB5FD}" type="datetimeFigureOut">
               <a:rPr lang="de-DE" smtClean="0"/>
               <a:pPr/>
-              <a:t>19.10.2016</a:t>
+              <a:t>04.11.2016</a:t>
             </a:fld>
             <a:endParaRPr lang="de-DE"/>
           </a:p>
@@ -241,8 +241,8 @@
         </p:nvSpPr>
         <p:spPr>
           <a:xfrm>
-            <a:off x="0" y="8685213"/>
-            <a:ext cx="2971800" cy="458787"/>
+            <a:off x="0" y="9428584"/>
+            <a:ext cx="2945659" cy="498055"/>
           </a:xfrm>
           <a:prstGeom prst="rect">
             <a:avLst/>
@@ -272,8 +272,8 @@
         </p:nvSpPr>
         <p:spPr>
           <a:xfrm>
-            <a:off x="3884613" y="8685213"/>
-            <a:ext cx="2971800" cy="458787"/>
+            <a:off x="3850443" y="9428584"/>
+            <a:ext cx="2945659" cy="498055"/>
           </a:xfrm>
           <a:prstGeom prst="rect">
             <a:avLst/>
@@ -342,7 +342,7 @@
         <p:spPr>
           <a:xfrm>
             <a:off x="0" y="0"/>
-            <a:ext cx="2971800" cy="458788"/>
+            <a:ext cx="2945659" cy="498056"/>
           </a:xfrm>
           <a:prstGeom prst="rect">
             <a:avLst/>
@@ -372,8 +372,8 @@
         </p:nvSpPr>
         <p:spPr>
           <a:xfrm>
-            <a:off x="3884613" y="0"/>
-            <a:ext cx="2971800" cy="458788"/>
+            <a:off x="3850443" y="0"/>
+            <a:ext cx="2945659" cy="498056"/>
           </a:xfrm>
           <a:prstGeom prst="rect">
             <a:avLst/>
@@ -390,7 +390,7 @@
             <a:fld id="{72145D81-8E55-40FC-9585-CFDCFEF92FEB}" type="datetimeFigureOut">
               <a:rPr lang="de-DE" smtClean="0"/>
               <a:pPr/>
-              <a:t>19.10.2016</a:t>
+              <a:t>04.11.2016</a:t>
             </a:fld>
             <a:endParaRPr lang="de-DE"/>
           </a:p>
@@ -408,8 +408,8 @@
         </p:nvSpPr>
         <p:spPr>
           <a:xfrm>
-            <a:off x="2271713" y="1143000"/>
-            <a:ext cx="2314575" cy="3086100"/>
+            <a:off x="2143125" y="1241425"/>
+            <a:ext cx="2511425" cy="3349625"/>
           </a:xfrm>
           <a:prstGeom prst="rect">
             <a:avLst/>
@@ -441,8 +441,8 @@
         </p:nvSpPr>
         <p:spPr>
           <a:xfrm>
-            <a:off x="685800" y="4400550"/>
-            <a:ext cx="5486400" cy="3600450"/>
+            <a:off x="679768" y="4777194"/>
+            <a:ext cx="5438140" cy="3908614"/>
           </a:xfrm>
           <a:prstGeom prst="rect">
             <a:avLst/>
@@ -501,8 +501,8 @@
         </p:nvSpPr>
         <p:spPr>
           <a:xfrm>
-            <a:off x="0" y="8685213"/>
-            <a:ext cx="2971800" cy="458787"/>
+            <a:off x="0" y="9428584"/>
+            <a:ext cx="2945659" cy="498055"/>
           </a:xfrm>
           <a:prstGeom prst="rect">
             <a:avLst/>
@@ -532,8 +532,8 @@
         </p:nvSpPr>
         <p:spPr>
           <a:xfrm>
-            <a:off x="3884613" y="8685213"/>
-            <a:ext cx="2971800" cy="458787"/>
+            <a:off x="3850443" y="9428584"/>
+            <a:ext cx="2945659" cy="498055"/>
           </a:xfrm>
           <a:prstGeom prst="rect">
             <a:avLst/>
@@ -3170,7 +3170,7 @@
             <a:fld id="{421FAFA7-FD27-4797-86F0-797A053F7FF1}" type="datetimeFigureOut">
               <a:rPr lang="de-DE" smtClean="0"/>
               <a:pPr/>
-              <a:t>19.10.2016</a:t>
+              <a:t>04.11.2016</a:t>
             </a:fld>
             <a:endParaRPr lang="de-DE"/>
           </a:p>
@@ -4721,11 +4721,7 @@
             </a:r>
             <a:r>
               <a:rPr lang="de-DE" dirty="0" smtClean="0"/>
-              <a:t> o.ä</a:t>
-            </a:r>
-            <a:r>
-              <a:rPr lang="de-DE" dirty="0" smtClean="0"/>
-              <a:t>.</a:t>
+              <a:t> o.ä.</a:t>
             </a:r>
             <a:endParaRPr lang="de-DE" dirty="0"/>
           </a:p>
@@ -5813,11 +5809,7 @@
           <a:p>
             <a:r>
               <a:rPr lang="de-DE" dirty="0" smtClean="0"/>
-              <a:t>weiteren </a:t>
-            </a:r>
-            <a:r>
-              <a:rPr lang="de-DE" dirty="0" smtClean="0"/>
-              <a:t>„</a:t>
+              <a:t>weiteren „</a:t>
             </a:r>
             <a:r>
               <a:rPr lang="de-DE" dirty="0" err="1" smtClean="0"/>
@@ -5828,12 +5820,16 @@
               <a:t>“ </a:t>
             </a:r>
             <a:r>
-              <a:rPr lang="de-DE" dirty="0" err="1" smtClean="0"/>
-              <a:t>effekt</a:t>
+              <a:rPr lang="de-DE" dirty="0"/>
+              <a:t>E</a:t>
             </a:r>
             <a:r>
               <a:rPr lang="de-DE" dirty="0" smtClean="0"/>
-              <a:t> mit „</a:t>
+              <a:t>ffekt </a:t>
+            </a:r>
+            <a:r>
+              <a:rPr lang="de-DE" dirty="0" smtClean="0"/>
+              <a:t>mit „</a:t>
             </a:r>
             <a:r>
               <a:rPr lang="de-DE" dirty="0" err="1" smtClean="0"/>
@@ -5841,11 +5837,15 @@
             </a:r>
             <a:r>
               <a:rPr lang="de-DE" dirty="0" smtClean="0"/>
-              <a:t>“-</a:t>
-            </a:r>
-            <a:r>
-              <a:rPr lang="de-DE" dirty="0" smtClean="0"/>
-              <a:t>Parameter 0.2 – 1 (Effekt innen einbauen)</a:t>
+              <a:t>“-Parameter 0.2 </a:t>
+            </a:r>
+            <a:r>
+              <a:rPr lang="de-DE" smtClean="0"/>
+              <a:t>– </a:t>
+            </a:r>
+            <a:r>
+              <a:rPr lang="de-DE" smtClean="0"/>
+              <a:t>1 einbauen</a:t>
             </a:r>
             <a:r>
               <a:rPr lang="de-DE" dirty="0"/>
